--- a/Dokumentumok/Prezentacio.pptx
+++ b/Dokumentumok/Prezentacio.pptx
@@ -118,6 +118,11 @@
       </a:defRPr>
     </a:lvl9pPr>
   </p:defaultTextStyle>
+  <p:extLst>
+    <p:ext uri="{EFAFB233-063F-42B5-8137-9DF3F51BA10A}">
+      <p15:sldGuideLst xmlns:p15="http://schemas.microsoft.com/office/powerpoint/2012/main"/>
+    </p:ext>
+  </p:extLst>
 </p:presentation>
 </file>
 
@@ -203,7 +208,7 @@
           <a:p>
             <a:fld id="{D7D65C20-D2DF-4B7F-A2F8-AB0B62B1804A}" type="datetimeFigureOut">
               <a:rPr lang="hu-HU" smtClean="0"/>
-              <a:t>2022. 04. 25.</a:t>
+              <a:t>2022. 04. 26.</a:t>
             </a:fld>
             <a:endParaRPr lang="hu-HU"/>
           </a:p>
@@ -604,7 +609,7 @@
           <a:noFill/>
           <a:extLst>
             <a:ext uri="{909E8E84-426E-40dd-AFC4-6F175D3DCCD1}">
-              <a14:hiddenFill xmlns:a14="http://schemas.microsoft.com/office/drawing/2010/main" xmlns="">
+              <a14:hiddenFill xmlns="" xmlns:a14="http://schemas.microsoft.com/office/drawing/2010/main">
                 <a:solidFill>
                   <a:srgbClr val="FFFFFF"/>
                 </a:solidFill>
@@ -664,7 +669,7 @@
             </a:ln>
             <a:extLst>
               <a:ext uri="{91240B29-F687-4f45-9708-019B960494DF}">
-                <a14:hiddenLine xmlns:a14="http://schemas.microsoft.com/office/drawing/2010/main" xmlns="" w="9525">
+                <a14:hiddenLine xmlns="" xmlns:a14="http://schemas.microsoft.com/office/drawing/2010/main" w="9525">
                   <a:solidFill>
                     <a:srgbClr val="000000"/>
                   </a:solidFill>
@@ -754,7 +759,7 @@
             </a:ln>
             <a:extLst>
               <a:ext uri="{91240B29-F687-4f45-9708-019B960494DF}">
-                <a14:hiddenLine xmlns:a14="http://schemas.microsoft.com/office/drawing/2010/main" xmlns="" w="9525">
+                <a14:hiddenLine xmlns="" xmlns:a14="http://schemas.microsoft.com/office/drawing/2010/main" w="9525">
                   <a:solidFill>
                     <a:srgbClr val="000000"/>
                   </a:solidFill>
@@ -844,7 +849,7 @@
             </a:ln>
             <a:extLst>
               <a:ext uri="{91240B29-F687-4f45-9708-019B960494DF}">
-                <a14:hiddenLine xmlns:a14="http://schemas.microsoft.com/office/drawing/2010/main" xmlns="" w="9525">
+                <a14:hiddenLine xmlns="" xmlns:a14="http://schemas.microsoft.com/office/drawing/2010/main" w="9525">
                   <a:solidFill>
                     <a:srgbClr val="000000"/>
                   </a:solidFill>
@@ -878,7 +883,7 @@
             </a:ln>
             <a:extLst>
               <a:ext uri="{91240B29-F687-4f45-9708-019B960494DF}">
-                <a14:hiddenLine xmlns:a14="http://schemas.microsoft.com/office/drawing/2010/main" xmlns="" w="9525">
+                <a14:hiddenLine xmlns="" xmlns:a14="http://schemas.microsoft.com/office/drawing/2010/main" w="9525">
                   <a:solidFill>
                     <a:srgbClr val="000000"/>
                   </a:solidFill>
@@ -968,7 +973,7 @@
             </a:ln>
             <a:extLst>
               <a:ext uri="{91240B29-F687-4f45-9708-019B960494DF}">
-                <a14:hiddenLine xmlns:a14="http://schemas.microsoft.com/office/drawing/2010/main" xmlns="" w="9525">
+                <a14:hiddenLine xmlns="" xmlns:a14="http://schemas.microsoft.com/office/drawing/2010/main" w="9525">
                   <a:solidFill>
                     <a:srgbClr val="000000"/>
                   </a:solidFill>
@@ -1030,7 +1035,7 @@
             </a:ln>
             <a:extLst>
               <a:ext uri="{91240B29-F687-4f45-9708-019B960494DF}">
-                <a14:hiddenLine xmlns:a14="http://schemas.microsoft.com/office/drawing/2010/main" xmlns="" w="9525">
+                <a14:hiddenLine xmlns="" xmlns:a14="http://schemas.microsoft.com/office/drawing/2010/main" w="9525">
                   <a:solidFill>
                     <a:srgbClr val="000000"/>
                   </a:solidFill>
@@ -1092,7 +1097,7 @@
             </a:ln>
             <a:extLst>
               <a:ext uri="{91240B29-F687-4f45-9708-019B960494DF}">
-                <a14:hiddenLine xmlns:a14="http://schemas.microsoft.com/office/drawing/2010/main" xmlns="" w="9525">
+                <a14:hiddenLine xmlns="" xmlns:a14="http://schemas.microsoft.com/office/drawing/2010/main" w="9525">
                   <a:solidFill>
                     <a:srgbClr val="000000"/>
                   </a:solidFill>
@@ -1182,7 +1187,7 @@
             </a:ln>
             <a:extLst>
               <a:ext uri="{91240B29-F687-4f45-9708-019B960494DF}">
-                <a14:hiddenLine xmlns:a14="http://schemas.microsoft.com/office/drawing/2010/main" xmlns="" w="9525">
+                <a14:hiddenLine xmlns="" xmlns:a14="http://schemas.microsoft.com/office/drawing/2010/main" w="9525">
                   <a:solidFill>
                     <a:srgbClr val="000000"/>
                   </a:solidFill>
@@ -1244,7 +1249,7 @@
             </a:ln>
             <a:extLst>
               <a:ext uri="{91240B29-F687-4f45-9708-019B960494DF}">
-                <a14:hiddenLine xmlns:a14="http://schemas.microsoft.com/office/drawing/2010/main" xmlns="" w="9525">
+                <a14:hiddenLine xmlns="" xmlns:a14="http://schemas.microsoft.com/office/drawing/2010/main" w="9525">
                   <a:solidFill>
                     <a:srgbClr val="000000"/>
                   </a:solidFill>
@@ -1306,7 +1311,7 @@
             </a:ln>
             <a:extLst>
               <a:ext uri="{91240B29-F687-4f45-9708-019B960494DF}">
-                <a14:hiddenLine xmlns:a14="http://schemas.microsoft.com/office/drawing/2010/main" xmlns="" w="9525">
+                <a14:hiddenLine xmlns="" xmlns:a14="http://schemas.microsoft.com/office/drawing/2010/main" w="9525">
                   <a:solidFill>
                     <a:srgbClr val="000000"/>
                   </a:solidFill>
@@ -1396,7 +1401,7 @@
             </a:ln>
             <a:extLst>
               <a:ext uri="{91240B29-F687-4f45-9708-019B960494DF}">
-                <a14:hiddenLine xmlns:a14="http://schemas.microsoft.com/office/drawing/2010/main" xmlns="" w="9525">
+                <a14:hiddenLine xmlns="" xmlns:a14="http://schemas.microsoft.com/office/drawing/2010/main" w="9525">
                   <a:solidFill>
                     <a:srgbClr val="000000"/>
                   </a:solidFill>
@@ -1486,7 +1491,7 @@
             </a:ln>
             <a:extLst>
               <a:ext uri="{91240B29-F687-4f45-9708-019B960494DF}">
-                <a14:hiddenLine xmlns:a14="http://schemas.microsoft.com/office/drawing/2010/main" xmlns="" w="9525">
+                <a14:hiddenLine xmlns="" xmlns:a14="http://schemas.microsoft.com/office/drawing/2010/main" w="9525">
                   <a:solidFill>
                     <a:srgbClr val="000000"/>
                   </a:solidFill>
@@ -1548,7 +1553,7 @@
             </a:ln>
             <a:extLst>
               <a:ext uri="{91240B29-F687-4f45-9708-019B960494DF}">
-                <a14:hiddenLine xmlns:a14="http://schemas.microsoft.com/office/drawing/2010/main" xmlns="" w="9525">
+                <a14:hiddenLine xmlns="" xmlns:a14="http://schemas.microsoft.com/office/drawing/2010/main" w="9525">
                   <a:solidFill>
                     <a:srgbClr val="000000"/>
                   </a:solidFill>
@@ -1658,7 +1663,7 @@
             </a:ln>
             <a:extLst>
               <a:ext uri="{91240B29-F687-4f45-9708-019B960494DF}">
-                <a14:hiddenLine xmlns:a14="http://schemas.microsoft.com/office/drawing/2010/main" xmlns="" w="9525">
+                <a14:hiddenLine xmlns="" xmlns:a14="http://schemas.microsoft.com/office/drawing/2010/main" w="9525">
                   <a:solidFill>
                     <a:srgbClr val="000000"/>
                   </a:solidFill>
@@ -1720,7 +1725,7 @@
             </a:ln>
             <a:extLst>
               <a:ext uri="{91240B29-F687-4f45-9708-019B960494DF}">
-                <a14:hiddenLine xmlns:a14="http://schemas.microsoft.com/office/drawing/2010/main" xmlns="" w="9525">
+                <a14:hiddenLine xmlns="" xmlns:a14="http://schemas.microsoft.com/office/drawing/2010/main" w="9525">
                   <a:solidFill>
                     <a:srgbClr val="000000"/>
                   </a:solidFill>
@@ -1810,7 +1815,7 @@
             </a:ln>
             <a:extLst>
               <a:ext uri="{91240B29-F687-4f45-9708-019B960494DF}">
-                <a14:hiddenLine xmlns:a14="http://schemas.microsoft.com/office/drawing/2010/main" xmlns="" w="9525">
+                <a14:hiddenLine xmlns="" xmlns:a14="http://schemas.microsoft.com/office/drawing/2010/main" w="9525">
                   <a:solidFill>
                     <a:srgbClr val="000000"/>
                   </a:solidFill>
@@ -1900,7 +1905,7 @@
             </a:ln>
             <a:extLst>
               <a:ext uri="{91240B29-F687-4f45-9708-019B960494DF}">
-                <a14:hiddenLine xmlns:a14="http://schemas.microsoft.com/office/drawing/2010/main" xmlns="" w="9525">
+                <a14:hiddenLine xmlns="" xmlns:a14="http://schemas.microsoft.com/office/drawing/2010/main" w="9525">
                   <a:solidFill>
                     <a:srgbClr val="000000"/>
                   </a:solidFill>
@@ -1962,7 +1967,7 @@
             </a:ln>
             <a:extLst>
               <a:ext uri="{91240B29-F687-4f45-9708-019B960494DF}">
-                <a14:hiddenLine xmlns:a14="http://schemas.microsoft.com/office/drawing/2010/main" xmlns="" w="9525">
+                <a14:hiddenLine xmlns="" xmlns:a14="http://schemas.microsoft.com/office/drawing/2010/main" w="9525">
                   <a:solidFill>
                     <a:srgbClr val="000000"/>
                   </a:solidFill>
@@ -2052,7 +2057,7 @@
             </a:ln>
             <a:extLst>
               <a:ext uri="{91240B29-F687-4f45-9708-019B960494DF}">
-                <a14:hiddenLine xmlns:a14="http://schemas.microsoft.com/office/drawing/2010/main" xmlns="" w="9525">
+                <a14:hiddenLine xmlns="" xmlns:a14="http://schemas.microsoft.com/office/drawing/2010/main" w="9525">
                   <a:solidFill>
                     <a:srgbClr val="000000"/>
                   </a:solidFill>
@@ -2142,7 +2147,7 @@
             </a:ln>
             <a:extLst>
               <a:ext uri="{91240B29-F687-4f45-9708-019B960494DF}">
-                <a14:hiddenLine xmlns:a14="http://schemas.microsoft.com/office/drawing/2010/main" xmlns="" w="9525">
+                <a14:hiddenLine xmlns="" xmlns:a14="http://schemas.microsoft.com/office/drawing/2010/main" w="9525">
                   <a:solidFill>
                     <a:srgbClr val="000000"/>
                   </a:solidFill>
@@ -2198,7 +2203,7 @@
             </a:ln>
             <a:extLst>
               <a:ext uri="{91240B29-F687-4f45-9708-019B960494DF}">
-                <a14:hiddenLine xmlns:a14="http://schemas.microsoft.com/office/drawing/2010/main" xmlns="" w="9525">
+                <a14:hiddenLine xmlns="" xmlns:a14="http://schemas.microsoft.com/office/drawing/2010/main" w="9525">
                   <a:solidFill>
                     <a:srgbClr val="000000"/>
                   </a:solidFill>
@@ -2288,7 +2293,7 @@
             </a:ln>
             <a:extLst>
               <a:ext uri="{91240B29-F687-4f45-9708-019B960494DF}">
-                <a14:hiddenLine xmlns:a14="http://schemas.microsoft.com/office/drawing/2010/main" xmlns="" w="9525">
+                <a14:hiddenLine xmlns="" xmlns:a14="http://schemas.microsoft.com/office/drawing/2010/main" w="9525">
                   <a:solidFill>
                     <a:srgbClr val="000000"/>
                   </a:solidFill>
@@ -2344,7 +2349,7 @@
             </a:ln>
             <a:extLst>
               <a:ext uri="{91240B29-F687-4f45-9708-019B960494DF}">
-                <a14:hiddenLine xmlns:a14="http://schemas.microsoft.com/office/drawing/2010/main" xmlns="" w="9525">
+                <a14:hiddenLine xmlns="" xmlns:a14="http://schemas.microsoft.com/office/drawing/2010/main" w="9525">
                   <a:solidFill>
                     <a:srgbClr val="000000"/>
                   </a:solidFill>
@@ -2434,7 +2439,7 @@
             </a:ln>
             <a:extLst>
               <a:ext uri="{91240B29-F687-4f45-9708-019B960494DF}">
-                <a14:hiddenLine xmlns:a14="http://schemas.microsoft.com/office/drawing/2010/main" xmlns="" w="9525">
+                <a14:hiddenLine xmlns="" xmlns:a14="http://schemas.microsoft.com/office/drawing/2010/main" w="9525">
                   <a:solidFill>
                     <a:srgbClr val="000000"/>
                   </a:solidFill>
@@ -2502,7 +2507,7 @@
             </a:ln>
             <a:extLst>
               <a:ext uri="{91240B29-F687-4f45-9708-019B960494DF}">
-                <a14:hiddenLine xmlns:a14="http://schemas.microsoft.com/office/drawing/2010/main" xmlns="" w="9525">
+                <a14:hiddenLine xmlns="" xmlns:a14="http://schemas.microsoft.com/office/drawing/2010/main" w="9525">
                   <a:solidFill>
                     <a:srgbClr val="000000"/>
                   </a:solidFill>
@@ -2592,7 +2597,7 @@
             </a:ln>
             <a:extLst>
               <a:ext uri="{91240B29-F687-4f45-9708-019B960494DF}">
-                <a14:hiddenLine xmlns:a14="http://schemas.microsoft.com/office/drawing/2010/main" xmlns="" w="9525">
+                <a14:hiddenLine xmlns="" xmlns:a14="http://schemas.microsoft.com/office/drawing/2010/main" w="9525">
                   <a:solidFill>
                     <a:srgbClr val="000000"/>
                   </a:solidFill>
@@ -2660,7 +2665,7 @@
             </a:ln>
             <a:extLst>
               <a:ext uri="{91240B29-F687-4f45-9708-019B960494DF}">
-                <a14:hiddenLine xmlns:a14="http://schemas.microsoft.com/office/drawing/2010/main" xmlns="" w="9525">
+                <a14:hiddenLine xmlns="" xmlns:a14="http://schemas.microsoft.com/office/drawing/2010/main" w="9525">
                   <a:solidFill>
                     <a:srgbClr val="000000"/>
                   </a:solidFill>
@@ -2750,7 +2755,7 @@
             </a:ln>
             <a:extLst>
               <a:ext uri="{91240B29-F687-4f45-9708-019B960494DF}">
-                <a14:hiddenLine xmlns:a14="http://schemas.microsoft.com/office/drawing/2010/main" xmlns="" w="9525">
+                <a14:hiddenLine xmlns="" xmlns:a14="http://schemas.microsoft.com/office/drawing/2010/main" w="9525">
                   <a:solidFill>
                     <a:srgbClr val="000000"/>
                   </a:solidFill>
@@ -2784,7 +2789,7 @@
             </a:ln>
             <a:extLst>
               <a:ext uri="{91240B29-F687-4f45-9708-019B960494DF}">
-                <a14:hiddenLine xmlns:a14="http://schemas.microsoft.com/office/drawing/2010/main" xmlns="" w="9525">
+                <a14:hiddenLine xmlns="" xmlns:a14="http://schemas.microsoft.com/office/drawing/2010/main" w="9525">
                   <a:solidFill>
                     <a:srgbClr val="000000"/>
                   </a:solidFill>
@@ -2874,7 +2879,7 @@
             </a:ln>
             <a:extLst>
               <a:ext uri="{91240B29-F687-4f45-9708-019B960494DF}">
-                <a14:hiddenLine xmlns:a14="http://schemas.microsoft.com/office/drawing/2010/main" xmlns="" w="9525">
+                <a14:hiddenLine xmlns="" xmlns:a14="http://schemas.microsoft.com/office/drawing/2010/main" w="9525">
                   <a:solidFill>
                     <a:srgbClr val="000000"/>
                   </a:solidFill>
@@ -2936,7 +2941,7 @@
             </a:ln>
             <a:extLst>
               <a:ext uri="{91240B29-F687-4f45-9708-019B960494DF}">
-                <a14:hiddenLine xmlns:a14="http://schemas.microsoft.com/office/drawing/2010/main" xmlns="" w="9525">
+                <a14:hiddenLine xmlns="" xmlns:a14="http://schemas.microsoft.com/office/drawing/2010/main" w="9525">
                   <a:solidFill>
                     <a:srgbClr val="000000"/>
                   </a:solidFill>
@@ -2998,7 +3003,7 @@
             </a:ln>
             <a:extLst>
               <a:ext uri="{91240B29-F687-4f45-9708-019B960494DF}">
-                <a14:hiddenLine xmlns:a14="http://schemas.microsoft.com/office/drawing/2010/main" xmlns="" w="9525">
+                <a14:hiddenLine xmlns="" xmlns:a14="http://schemas.microsoft.com/office/drawing/2010/main" w="9525">
                   <a:solidFill>
                     <a:srgbClr val="000000"/>
                   </a:solidFill>
@@ -3088,7 +3093,7 @@
             </a:ln>
             <a:extLst>
               <a:ext uri="{91240B29-F687-4f45-9708-019B960494DF}">
-                <a14:hiddenLine xmlns:a14="http://schemas.microsoft.com/office/drawing/2010/main" xmlns="" w="9525">
+                <a14:hiddenLine xmlns="" xmlns:a14="http://schemas.microsoft.com/office/drawing/2010/main" w="9525">
                   <a:solidFill>
                     <a:srgbClr val="000000"/>
                   </a:solidFill>
@@ -3156,7 +3161,7 @@
             </a:ln>
             <a:extLst>
               <a:ext uri="{91240B29-F687-4f45-9708-019B960494DF}">
-                <a14:hiddenLine xmlns:a14="http://schemas.microsoft.com/office/drawing/2010/main" xmlns="" w="9525">
+                <a14:hiddenLine xmlns="" xmlns:a14="http://schemas.microsoft.com/office/drawing/2010/main" w="9525">
                   <a:solidFill>
                     <a:srgbClr val="000000"/>
                   </a:solidFill>
@@ -3218,7 +3223,7 @@
             </a:ln>
             <a:extLst>
               <a:ext uri="{91240B29-F687-4f45-9708-019B960494DF}">
-                <a14:hiddenLine xmlns:a14="http://schemas.microsoft.com/office/drawing/2010/main" xmlns="" w="9525">
+                <a14:hiddenLine xmlns="" xmlns:a14="http://schemas.microsoft.com/office/drawing/2010/main" w="9525">
                   <a:solidFill>
                     <a:srgbClr val="000000"/>
                   </a:solidFill>
@@ -3308,7 +3313,7 @@
             </a:ln>
             <a:extLst>
               <a:ext uri="{91240B29-F687-4f45-9708-019B960494DF}">
-                <a14:hiddenLine xmlns:a14="http://schemas.microsoft.com/office/drawing/2010/main" xmlns="" w="9525">
+                <a14:hiddenLine xmlns="" xmlns:a14="http://schemas.microsoft.com/office/drawing/2010/main" w="9525">
                   <a:solidFill>
                     <a:srgbClr val="000000"/>
                   </a:solidFill>
@@ -3370,7 +3375,7 @@
             </a:ln>
             <a:extLst>
               <a:ext uri="{91240B29-F687-4f45-9708-019B960494DF}">
-                <a14:hiddenLine xmlns:a14="http://schemas.microsoft.com/office/drawing/2010/main" xmlns="" w="9525">
+                <a14:hiddenLine xmlns="" xmlns:a14="http://schemas.microsoft.com/office/drawing/2010/main" w="9525">
                   <a:solidFill>
                     <a:srgbClr val="000000"/>
                   </a:solidFill>
@@ -3460,7 +3465,7 @@
             </a:ln>
             <a:extLst>
               <a:ext uri="{91240B29-F687-4f45-9708-019B960494DF}">
-                <a14:hiddenLine xmlns:a14="http://schemas.microsoft.com/office/drawing/2010/main" xmlns="" w="9525">
+                <a14:hiddenLine xmlns="" xmlns:a14="http://schemas.microsoft.com/office/drawing/2010/main" w="9525">
                   <a:solidFill>
                     <a:srgbClr val="000000"/>
                   </a:solidFill>
@@ -3522,7 +3527,7 @@
             </a:ln>
             <a:extLst>
               <a:ext uri="{91240B29-F687-4f45-9708-019B960494DF}">
-                <a14:hiddenLine xmlns:a14="http://schemas.microsoft.com/office/drawing/2010/main" xmlns="" w="9525">
+                <a14:hiddenLine xmlns="" xmlns:a14="http://schemas.microsoft.com/office/drawing/2010/main" w="9525">
                   <a:solidFill>
                     <a:srgbClr val="000000"/>
                   </a:solidFill>
@@ -3612,7 +3617,7 @@
             </a:ln>
             <a:extLst>
               <a:ext uri="{91240B29-F687-4f45-9708-019B960494DF}">
-                <a14:hiddenLine xmlns:a14="http://schemas.microsoft.com/office/drawing/2010/main" xmlns="" w="9525">
+                <a14:hiddenLine xmlns="" xmlns:a14="http://schemas.microsoft.com/office/drawing/2010/main" w="9525">
                   <a:solidFill>
                     <a:srgbClr val="000000"/>
                   </a:solidFill>
@@ -3646,7 +3651,7 @@
             </a:ln>
             <a:extLst>
               <a:ext uri="{91240B29-F687-4f45-9708-019B960494DF}">
-                <a14:hiddenLine xmlns:a14="http://schemas.microsoft.com/office/drawing/2010/main" xmlns="" w="9525">
+                <a14:hiddenLine xmlns="" xmlns:a14="http://schemas.microsoft.com/office/drawing/2010/main" w="9525">
                   <a:solidFill>
                     <a:srgbClr val="000000"/>
                   </a:solidFill>
@@ -3711,7 +3716,7 @@
             </a:ln>
             <a:extLst>
               <a:ext uri="{91240B29-F687-4f45-9708-019B960494DF}">
-                <a14:hiddenLine xmlns:a14="http://schemas.microsoft.com/office/drawing/2010/main" xmlns="" w="9525">
+                <a14:hiddenLine xmlns="" xmlns:a14="http://schemas.microsoft.com/office/drawing/2010/main" w="9525">
                   <a:solidFill>
                     <a:srgbClr val="000000"/>
                   </a:solidFill>
@@ -3801,7 +3806,7 @@
             </a:ln>
             <a:extLst>
               <a:ext uri="{91240B29-F687-4f45-9708-019B960494DF}">
-                <a14:hiddenLine xmlns:a14="http://schemas.microsoft.com/office/drawing/2010/main" xmlns="" w="9525">
+                <a14:hiddenLine xmlns="" xmlns:a14="http://schemas.microsoft.com/office/drawing/2010/main" w="9525">
                   <a:solidFill>
                     <a:srgbClr val="000000"/>
                   </a:solidFill>
@@ -3863,7 +3868,7 @@
             </a:ln>
             <a:extLst>
               <a:ext uri="{91240B29-F687-4f45-9708-019B960494DF}">
-                <a14:hiddenLine xmlns:a14="http://schemas.microsoft.com/office/drawing/2010/main" xmlns="" w="9525">
+                <a14:hiddenLine xmlns="" xmlns:a14="http://schemas.microsoft.com/office/drawing/2010/main" w="9525">
                   <a:solidFill>
                     <a:srgbClr val="000000"/>
                   </a:solidFill>
@@ -3953,7 +3958,7 @@
             </a:ln>
             <a:extLst>
               <a:ext uri="{91240B29-F687-4f45-9708-019B960494DF}">
-                <a14:hiddenLine xmlns:a14="http://schemas.microsoft.com/office/drawing/2010/main" xmlns="" w="9525">
+                <a14:hiddenLine xmlns="" xmlns:a14="http://schemas.microsoft.com/office/drawing/2010/main" w="9525">
                   <a:solidFill>
                     <a:srgbClr val="000000"/>
                   </a:solidFill>
@@ -4043,7 +4048,7 @@
             </a:ln>
             <a:extLst>
               <a:ext uri="{91240B29-F687-4f45-9708-019B960494DF}">
-                <a14:hiddenLine xmlns:a14="http://schemas.microsoft.com/office/drawing/2010/main" xmlns="" w="9525">
+                <a14:hiddenLine xmlns="" xmlns:a14="http://schemas.microsoft.com/office/drawing/2010/main" w="9525">
                   <a:solidFill>
                     <a:srgbClr val="000000"/>
                   </a:solidFill>
@@ -4108,7 +4113,7 @@
             </a:ln>
             <a:extLst>
               <a:ext uri="{91240B29-F687-4f45-9708-019B960494DF}">
-                <a14:hiddenLine xmlns:a14="http://schemas.microsoft.com/office/drawing/2010/main" xmlns="" w="9525">
+                <a14:hiddenLine xmlns="" xmlns:a14="http://schemas.microsoft.com/office/drawing/2010/main" w="9525">
                   <a:solidFill>
                     <a:srgbClr val="000000"/>
                   </a:solidFill>
@@ -4170,7 +4175,7 @@
             </a:ln>
             <a:extLst>
               <a:ext uri="{91240B29-F687-4f45-9708-019B960494DF}">
-                <a14:hiddenLine xmlns:a14="http://schemas.microsoft.com/office/drawing/2010/main" xmlns="" w="9525">
+                <a14:hiddenLine xmlns="" xmlns:a14="http://schemas.microsoft.com/office/drawing/2010/main" w="9525">
                   <a:solidFill>
                     <a:srgbClr val="000000"/>
                   </a:solidFill>
@@ -4260,7 +4265,7 @@
             </a:ln>
             <a:extLst>
               <a:ext uri="{91240B29-F687-4f45-9708-019B960494DF}">
-                <a14:hiddenLine xmlns:a14="http://schemas.microsoft.com/office/drawing/2010/main" xmlns="" w="9525">
+                <a14:hiddenLine xmlns="" xmlns:a14="http://schemas.microsoft.com/office/drawing/2010/main" w="9525">
                   <a:solidFill>
                     <a:srgbClr val="000000"/>
                   </a:solidFill>
@@ -4350,7 +4355,7 @@
             </a:ln>
             <a:extLst>
               <a:ext uri="{91240B29-F687-4f45-9708-019B960494DF}">
-                <a14:hiddenLine xmlns:a14="http://schemas.microsoft.com/office/drawing/2010/main" xmlns="" w="9525">
+                <a14:hiddenLine xmlns="" xmlns:a14="http://schemas.microsoft.com/office/drawing/2010/main" w="9525">
                   <a:solidFill>
                     <a:srgbClr val="000000"/>
                   </a:solidFill>
@@ -4412,7 +4417,7 @@
             </a:ln>
             <a:extLst>
               <a:ext uri="{91240B29-F687-4f45-9708-019B960494DF}">
-                <a14:hiddenLine xmlns:a14="http://schemas.microsoft.com/office/drawing/2010/main" xmlns="" w="9525">
+                <a14:hiddenLine xmlns="" xmlns:a14="http://schemas.microsoft.com/office/drawing/2010/main" w="9525">
                   <a:solidFill>
                     <a:srgbClr val="000000"/>
                   </a:solidFill>
@@ -4532,7 +4537,7 @@
             </a:ln>
             <a:extLst>
               <a:ext uri="{91240B29-F687-4f45-9708-019B960494DF}">
-                <a14:hiddenLine xmlns:a14="http://schemas.microsoft.com/office/drawing/2010/main" xmlns="" w="9525">
+                <a14:hiddenLine xmlns="" xmlns:a14="http://schemas.microsoft.com/office/drawing/2010/main" w="9525">
                   <a:solidFill>
                     <a:srgbClr val="000000"/>
                   </a:solidFill>
@@ -4600,7 +4605,7 @@
             </a:ln>
             <a:extLst>
               <a:ext uri="{91240B29-F687-4f45-9708-019B960494DF}">
-                <a14:hiddenLine xmlns:a14="http://schemas.microsoft.com/office/drawing/2010/main" xmlns="" w="9525">
+                <a14:hiddenLine xmlns="" xmlns:a14="http://schemas.microsoft.com/office/drawing/2010/main" w="9525">
                   <a:solidFill>
                     <a:srgbClr val="000000"/>
                   </a:solidFill>
@@ -4690,7 +4695,7 @@
             </a:ln>
             <a:extLst>
               <a:ext uri="{91240B29-F687-4f45-9708-019B960494DF}">
-                <a14:hiddenLine xmlns:a14="http://schemas.microsoft.com/office/drawing/2010/main" xmlns="" w="9525">
+                <a14:hiddenLine xmlns="" xmlns:a14="http://schemas.microsoft.com/office/drawing/2010/main" w="9525">
                   <a:solidFill>
                     <a:srgbClr val="000000"/>
                   </a:solidFill>
@@ -4830,7 +4835,7 @@
           <a:p>
             <a:fld id="{87581F21-0B10-4C4B-B441-172592D74CE7}" type="datetimeFigureOut">
               <a:rPr lang="hu-HU" smtClean="0"/>
-              <a:t>2022. 04. 25.</a:t>
+              <a:t>2022. 04. 26.</a:t>
             </a:fld>
             <a:endParaRPr lang="hu-HU"/>
           </a:p>
@@ -5097,7 +5102,7 @@
           <a:p>
             <a:fld id="{87581F21-0B10-4C4B-B441-172592D74CE7}" type="datetimeFigureOut">
               <a:rPr lang="hu-HU" smtClean="0"/>
-              <a:t>2022. 04. 25.</a:t>
+              <a:t>2022. 04. 26.</a:t>
             </a:fld>
             <a:endParaRPr lang="hu-HU"/>
           </a:p>
@@ -5293,7 +5298,7 @@
           <a:p>
             <a:fld id="{87581F21-0B10-4C4B-B441-172592D74CE7}" type="datetimeFigureOut">
               <a:rPr lang="hu-HU" smtClean="0"/>
-              <a:t>2022. 04. 25.</a:t>
+              <a:t>2022. 04. 26.</a:t>
             </a:fld>
             <a:endParaRPr lang="hu-HU"/>
           </a:p>
@@ -5556,7 +5561,7 @@
           <a:p>
             <a:fld id="{87581F21-0B10-4C4B-B441-172592D74CE7}" type="datetimeFigureOut">
               <a:rPr lang="hu-HU" smtClean="0"/>
-              <a:t>2022. 04. 25.</a:t>
+              <a:t>2022. 04. 26.</a:t>
             </a:fld>
             <a:endParaRPr lang="hu-HU"/>
           </a:p>
@@ -5990,7 +5995,7 @@
           <a:p>
             <a:fld id="{87581F21-0B10-4C4B-B441-172592D74CE7}" type="datetimeFigureOut">
               <a:rPr lang="hu-HU" smtClean="0"/>
-              <a:t>2022. 04. 25.</a:t>
+              <a:t>2022. 04. 26.</a:t>
             </a:fld>
             <a:endParaRPr lang="hu-HU"/>
           </a:p>
@@ -6536,7 +6541,7 @@
           <a:p>
             <a:fld id="{87581F21-0B10-4C4B-B441-172592D74CE7}" type="datetimeFigureOut">
               <a:rPr lang="hu-HU" smtClean="0"/>
-              <a:t>2022. 04. 25.</a:t>
+              <a:t>2022. 04. 26.</a:t>
             </a:fld>
             <a:endParaRPr lang="hu-HU"/>
           </a:p>
@@ -7256,7 +7261,7 @@
           <a:p>
             <a:fld id="{87581F21-0B10-4C4B-B441-172592D74CE7}" type="datetimeFigureOut">
               <a:rPr lang="hu-HU" smtClean="0"/>
-              <a:t>2022. 04. 25.</a:t>
+              <a:t>2022. 04. 26.</a:t>
             </a:fld>
             <a:endParaRPr lang="hu-HU"/>
           </a:p>
@@ -7426,7 +7431,7 @@
           <a:p>
             <a:fld id="{87581F21-0B10-4C4B-B441-172592D74CE7}" type="datetimeFigureOut">
               <a:rPr lang="hu-HU" smtClean="0"/>
-              <a:t>2022. 04. 25.</a:t>
+              <a:t>2022. 04. 26.</a:t>
             </a:fld>
             <a:endParaRPr lang="hu-HU"/>
           </a:p>
@@ -7606,7 +7611,7 @@
           <a:p>
             <a:fld id="{87581F21-0B10-4C4B-B441-172592D74CE7}" type="datetimeFigureOut">
               <a:rPr lang="hu-HU" smtClean="0"/>
-              <a:t>2022. 04. 25.</a:t>
+              <a:t>2022. 04. 26.</a:t>
             </a:fld>
             <a:endParaRPr lang="hu-HU"/>
           </a:p>
@@ -7776,7 +7781,7 @@
           <a:p>
             <a:fld id="{87581F21-0B10-4C4B-B441-172592D74CE7}" type="datetimeFigureOut">
               <a:rPr lang="hu-HU" smtClean="0"/>
-              <a:t>2022. 04. 25.</a:t>
+              <a:t>2022. 04. 26.</a:t>
             </a:fld>
             <a:endParaRPr lang="hu-HU"/>
           </a:p>
@@ -8026,7 +8031,7 @@
           <a:p>
             <a:fld id="{87581F21-0B10-4C4B-B441-172592D74CE7}" type="datetimeFigureOut">
               <a:rPr lang="hu-HU" smtClean="0"/>
-              <a:t>2022. 04. 25.</a:t>
+              <a:t>2022. 04. 26.</a:t>
             </a:fld>
             <a:endParaRPr lang="hu-HU"/>
           </a:p>
@@ -8258,7 +8263,7 @@
           <a:p>
             <a:fld id="{87581F21-0B10-4C4B-B441-172592D74CE7}" type="datetimeFigureOut">
               <a:rPr lang="hu-HU" smtClean="0"/>
-              <a:t>2022. 04. 25.</a:t>
+              <a:t>2022. 04. 26.</a:t>
             </a:fld>
             <a:endParaRPr lang="hu-HU"/>
           </a:p>
@@ -8639,7 +8644,7 @@
           <a:p>
             <a:fld id="{87581F21-0B10-4C4B-B441-172592D74CE7}" type="datetimeFigureOut">
               <a:rPr lang="hu-HU" smtClean="0"/>
-              <a:t>2022. 04. 25.</a:t>
+              <a:t>2022. 04. 26.</a:t>
             </a:fld>
             <a:endParaRPr lang="hu-HU"/>
           </a:p>
@@ -8757,7 +8762,7 @@
           <a:p>
             <a:fld id="{87581F21-0B10-4C4B-B441-172592D74CE7}" type="datetimeFigureOut">
               <a:rPr lang="hu-HU" smtClean="0"/>
-              <a:t>2022. 04. 25.</a:t>
+              <a:t>2022. 04. 26.</a:t>
             </a:fld>
             <a:endParaRPr lang="hu-HU"/>
           </a:p>
@@ -8852,7 +8857,7 @@
           <a:p>
             <a:fld id="{87581F21-0B10-4C4B-B441-172592D74CE7}" type="datetimeFigureOut">
               <a:rPr lang="hu-HU" smtClean="0"/>
-              <a:t>2022. 04. 25.</a:t>
+              <a:t>2022. 04. 26.</a:t>
             </a:fld>
             <a:endParaRPr lang="hu-HU"/>
           </a:p>
@@ -9101,7 +9106,7 @@
           <a:p>
             <a:fld id="{87581F21-0B10-4C4B-B441-172592D74CE7}" type="datetimeFigureOut">
               <a:rPr lang="hu-HU" smtClean="0"/>
-              <a:t>2022. 04. 25.</a:t>
+              <a:t>2022. 04. 26.</a:t>
             </a:fld>
             <a:endParaRPr lang="hu-HU"/>
           </a:p>
@@ -9381,7 +9386,7 @@
           <a:p>
             <a:fld id="{87581F21-0B10-4C4B-B441-172592D74CE7}" type="datetimeFigureOut">
               <a:rPr lang="hu-HU" smtClean="0"/>
-              <a:t>2022. 04. 25.</a:t>
+              <a:t>2022. 04. 26.</a:t>
             </a:fld>
             <a:endParaRPr lang="hu-HU"/>
           </a:p>
@@ -9497,7 +9502,7 @@
           <a:noFill/>
           <a:extLst>
             <a:ext uri="{909E8E84-426E-40dd-AFC4-6F175D3DCCD1}">
-              <a14:hiddenFill xmlns:a14="http://schemas.microsoft.com/office/drawing/2010/main" xmlns="">
+              <a14:hiddenFill xmlns="" xmlns:a14="http://schemas.microsoft.com/office/drawing/2010/main">
                 <a:solidFill>
                   <a:srgbClr val="FFFFFF"/>
                 </a:solidFill>
@@ -9571,7 +9576,7 @@
               </a:ln>
               <a:extLst>
                 <a:ext uri="{91240B29-F687-4f45-9708-019B960494DF}">
-                  <a14:hiddenLine xmlns:a14="http://schemas.microsoft.com/office/drawing/2010/main" xmlns="" w="9525">
+                  <a14:hiddenLine xmlns="" xmlns:a14="http://schemas.microsoft.com/office/drawing/2010/main" w="9525">
                     <a:solidFill>
                       <a:srgbClr val="000000"/>
                     </a:solidFill>
@@ -9661,7 +9666,7 @@
               </a:ln>
               <a:extLst>
                 <a:ext uri="{91240B29-F687-4f45-9708-019B960494DF}">
-                  <a14:hiddenLine xmlns:a14="http://schemas.microsoft.com/office/drawing/2010/main" xmlns="" w="9525">
+                  <a14:hiddenLine xmlns="" xmlns:a14="http://schemas.microsoft.com/office/drawing/2010/main" w="9525">
                     <a:solidFill>
                       <a:srgbClr val="000000"/>
                     </a:solidFill>
@@ -9751,7 +9756,7 @@
               </a:ln>
               <a:extLst>
                 <a:ext uri="{91240B29-F687-4f45-9708-019B960494DF}">
-                  <a14:hiddenLine xmlns:a14="http://schemas.microsoft.com/office/drawing/2010/main" xmlns="" w="9525">
+                  <a14:hiddenLine xmlns="" xmlns:a14="http://schemas.microsoft.com/office/drawing/2010/main" w="9525">
                     <a:solidFill>
                       <a:srgbClr val="000000"/>
                     </a:solidFill>
@@ -9813,7 +9818,7 @@
               </a:ln>
               <a:extLst>
                 <a:ext uri="{91240B29-F687-4f45-9708-019B960494DF}">
-                  <a14:hiddenLine xmlns:a14="http://schemas.microsoft.com/office/drawing/2010/main" xmlns="" w="9525">
+                  <a14:hiddenLine xmlns="" xmlns:a14="http://schemas.microsoft.com/office/drawing/2010/main" w="9525">
                     <a:solidFill>
                       <a:srgbClr val="000000"/>
                     </a:solidFill>
@@ -9903,7 +9908,7 @@
               </a:ln>
               <a:extLst>
                 <a:ext uri="{91240B29-F687-4f45-9708-019B960494DF}">
-                  <a14:hiddenLine xmlns:a14="http://schemas.microsoft.com/office/drawing/2010/main" xmlns="" w="9525">
+                  <a14:hiddenLine xmlns="" xmlns:a14="http://schemas.microsoft.com/office/drawing/2010/main" w="9525">
                     <a:solidFill>
                       <a:srgbClr val="000000"/>
                     </a:solidFill>
@@ -9965,7 +9970,7 @@
               </a:ln>
               <a:extLst>
                 <a:ext uri="{91240B29-F687-4f45-9708-019B960494DF}">
-                  <a14:hiddenLine xmlns:a14="http://schemas.microsoft.com/office/drawing/2010/main" xmlns="" w="9525">
+                  <a14:hiddenLine xmlns="" xmlns:a14="http://schemas.microsoft.com/office/drawing/2010/main" w="9525">
                     <a:solidFill>
                       <a:srgbClr val="000000"/>
                     </a:solidFill>
@@ -10027,7 +10032,7 @@
               </a:ln>
               <a:extLst>
                 <a:ext uri="{91240B29-F687-4f45-9708-019B960494DF}">
-                  <a14:hiddenLine xmlns:a14="http://schemas.microsoft.com/office/drawing/2010/main" xmlns="" w="9525">
+                  <a14:hiddenLine xmlns="" xmlns:a14="http://schemas.microsoft.com/office/drawing/2010/main" w="9525">
                     <a:solidFill>
                       <a:srgbClr val="000000"/>
                     </a:solidFill>
@@ -10117,7 +10122,7 @@
               </a:ln>
               <a:extLst>
                 <a:ext uri="{91240B29-F687-4f45-9708-019B960494DF}">
-                  <a14:hiddenLine xmlns:a14="http://schemas.microsoft.com/office/drawing/2010/main" xmlns="" w="9525">
+                  <a14:hiddenLine xmlns="" xmlns:a14="http://schemas.microsoft.com/office/drawing/2010/main" w="9525">
                     <a:solidFill>
                       <a:srgbClr val="000000"/>
                     </a:solidFill>
@@ -10207,7 +10212,7 @@
               </a:ln>
               <a:extLst>
                 <a:ext uri="{91240B29-F687-4f45-9708-019B960494DF}">
-                  <a14:hiddenLine xmlns:a14="http://schemas.microsoft.com/office/drawing/2010/main" xmlns="" w="9525">
+                  <a14:hiddenLine xmlns="" xmlns:a14="http://schemas.microsoft.com/office/drawing/2010/main" w="9525">
                     <a:solidFill>
                       <a:srgbClr val="000000"/>
                     </a:solidFill>
@@ -10269,7 +10274,7 @@
               </a:ln>
               <a:extLst>
                 <a:ext uri="{91240B29-F687-4f45-9708-019B960494DF}">
-                  <a14:hiddenLine xmlns:a14="http://schemas.microsoft.com/office/drawing/2010/main" xmlns="" w="9525">
+                  <a14:hiddenLine xmlns="" xmlns:a14="http://schemas.microsoft.com/office/drawing/2010/main" w="9525">
                     <a:solidFill>
                       <a:srgbClr val="000000"/>
                     </a:solidFill>
@@ -10379,7 +10384,7 @@
               </a:ln>
               <a:extLst>
                 <a:ext uri="{91240B29-F687-4f45-9708-019B960494DF}">
-                  <a14:hiddenLine xmlns:a14="http://schemas.microsoft.com/office/drawing/2010/main" xmlns="" w="9525">
+                  <a14:hiddenLine xmlns="" xmlns:a14="http://schemas.microsoft.com/office/drawing/2010/main" w="9525">
                     <a:solidFill>
                       <a:srgbClr val="000000"/>
                     </a:solidFill>
@@ -10463,7 +10468,7 @@
               </a:ln>
               <a:extLst>
                 <a:ext uri="{91240B29-F687-4f45-9708-019B960494DF}">
-                  <a14:hiddenLine xmlns:a14="http://schemas.microsoft.com/office/drawing/2010/main" xmlns="" w="9525">
+                  <a14:hiddenLine xmlns="" xmlns:a14="http://schemas.microsoft.com/office/drawing/2010/main" w="9525">
                     <a:solidFill>
                       <a:srgbClr val="000000"/>
                     </a:solidFill>
@@ -10525,7 +10530,7 @@
               </a:ln>
               <a:extLst>
                 <a:ext uri="{91240B29-F687-4f45-9708-019B960494DF}">
-                  <a14:hiddenLine xmlns:a14="http://schemas.microsoft.com/office/drawing/2010/main" xmlns="" w="9525">
+                  <a14:hiddenLine xmlns="" xmlns:a14="http://schemas.microsoft.com/office/drawing/2010/main" w="9525">
                     <a:solidFill>
                       <a:srgbClr val="000000"/>
                     </a:solidFill>
@@ -10587,7 +10592,7 @@
               </a:ln>
               <a:extLst>
                 <a:ext uri="{91240B29-F687-4f45-9708-019B960494DF}">
-                  <a14:hiddenLine xmlns:a14="http://schemas.microsoft.com/office/drawing/2010/main" xmlns="" w="9525">
+                  <a14:hiddenLine xmlns="" xmlns:a14="http://schemas.microsoft.com/office/drawing/2010/main" w="9525">
                     <a:solidFill>
                       <a:srgbClr val="000000"/>
                     </a:solidFill>
@@ -10677,7 +10682,7 @@
               </a:ln>
               <a:extLst>
                 <a:ext uri="{91240B29-F687-4f45-9708-019B960494DF}">
-                  <a14:hiddenLine xmlns:a14="http://schemas.microsoft.com/office/drawing/2010/main" xmlns="" w="9525">
+                  <a14:hiddenLine xmlns="" xmlns:a14="http://schemas.microsoft.com/office/drawing/2010/main" w="9525">
                     <a:solidFill>
                       <a:srgbClr val="000000"/>
                     </a:solidFill>
@@ -10711,7 +10716,7 @@
               </a:ln>
               <a:extLst>
                 <a:ext uri="{91240B29-F687-4f45-9708-019B960494DF}">
-                  <a14:hiddenLine xmlns:a14="http://schemas.microsoft.com/office/drawing/2010/main" xmlns="" w="9525">
+                  <a14:hiddenLine xmlns="" xmlns:a14="http://schemas.microsoft.com/office/drawing/2010/main" w="9525">
                     <a:solidFill>
                       <a:srgbClr val="000000"/>
                     </a:solidFill>
@@ -10776,7 +10781,7 @@
               </a:ln>
               <a:extLst>
                 <a:ext uri="{91240B29-F687-4f45-9708-019B960494DF}">
-                  <a14:hiddenLine xmlns:a14="http://schemas.microsoft.com/office/drawing/2010/main" xmlns="" w="9525">
+                  <a14:hiddenLine xmlns="" xmlns:a14="http://schemas.microsoft.com/office/drawing/2010/main" w="9525">
                     <a:solidFill>
                       <a:srgbClr val="000000"/>
                     </a:solidFill>
@@ -10866,7 +10871,7 @@
               </a:ln>
               <a:extLst>
                 <a:ext uri="{91240B29-F687-4f45-9708-019B960494DF}">
-                  <a14:hiddenLine xmlns:a14="http://schemas.microsoft.com/office/drawing/2010/main" xmlns="" w="9525">
+                  <a14:hiddenLine xmlns="" xmlns:a14="http://schemas.microsoft.com/office/drawing/2010/main" w="9525">
                     <a:solidFill>
                       <a:srgbClr val="000000"/>
                     </a:solidFill>
@@ -10928,7 +10933,7 @@
               </a:ln>
               <a:extLst>
                 <a:ext uri="{91240B29-F687-4f45-9708-019B960494DF}">
-                  <a14:hiddenLine xmlns:a14="http://schemas.microsoft.com/office/drawing/2010/main" xmlns="" w="9525">
+                  <a14:hiddenLine xmlns="" xmlns:a14="http://schemas.microsoft.com/office/drawing/2010/main" w="9525">
                     <a:solidFill>
                       <a:srgbClr val="000000"/>
                     </a:solidFill>
@@ -11018,7 +11023,7 @@
               </a:ln>
               <a:extLst>
                 <a:ext uri="{91240B29-F687-4f45-9708-019B960494DF}">
-                  <a14:hiddenLine xmlns:a14="http://schemas.microsoft.com/office/drawing/2010/main" xmlns="" w="9525">
+                  <a14:hiddenLine xmlns="" xmlns:a14="http://schemas.microsoft.com/office/drawing/2010/main" w="9525">
                     <a:solidFill>
                       <a:srgbClr val="000000"/>
                     </a:solidFill>
@@ -11083,7 +11088,7 @@
               </a:ln>
               <a:extLst>
                 <a:ext uri="{91240B29-F687-4f45-9708-019B960494DF}">
-                  <a14:hiddenLine xmlns:a14="http://schemas.microsoft.com/office/drawing/2010/main" xmlns="" w="9525">
+                  <a14:hiddenLine xmlns="" xmlns:a14="http://schemas.microsoft.com/office/drawing/2010/main" w="9525">
                     <a:solidFill>
                       <a:srgbClr val="000000"/>
                     </a:solidFill>
@@ -11145,7 +11150,7 @@
               </a:ln>
               <a:extLst>
                 <a:ext uri="{91240B29-F687-4f45-9708-019B960494DF}">
-                  <a14:hiddenLine xmlns:a14="http://schemas.microsoft.com/office/drawing/2010/main" xmlns="" w="9525">
+                  <a14:hiddenLine xmlns="" xmlns:a14="http://schemas.microsoft.com/office/drawing/2010/main" w="9525">
                     <a:solidFill>
                       <a:srgbClr val="000000"/>
                     </a:solidFill>
@@ -11235,7 +11240,7 @@
               </a:ln>
               <a:extLst>
                 <a:ext uri="{91240B29-F687-4f45-9708-019B960494DF}">
-                  <a14:hiddenLine xmlns:a14="http://schemas.microsoft.com/office/drawing/2010/main" xmlns="" w="9525">
+                  <a14:hiddenLine xmlns="" xmlns:a14="http://schemas.microsoft.com/office/drawing/2010/main" w="9525">
                     <a:solidFill>
                       <a:srgbClr val="000000"/>
                     </a:solidFill>
@@ -11325,7 +11330,7 @@
               </a:ln>
               <a:extLst>
                 <a:ext uri="{91240B29-F687-4f45-9708-019B960494DF}">
-                  <a14:hiddenLine xmlns:a14="http://schemas.microsoft.com/office/drawing/2010/main" xmlns="" w="9525">
+                  <a14:hiddenLine xmlns="" xmlns:a14="http://schemas.microsoft.com/office/drawing/2010/main" w="9525">
                     <a:solidFill>
                       <a:srgbClr val="000000"/>
                     </a:solidFill>
@@ -11390,7 +11395,7 @@
               </a:ln>
               <a:extLst>
                 <a:ext uri="{91240B29-F687-4f45-9708-019B960494DF}">
-                  <a14:hiddenLine xmlns:a14="http://schemas.microsoft.com/office/drawing/2010/main" xmlns="" w="9525">
+                  <a14:hiddenLine xmlns="" xmlns:a14="http://schemas.microsoft.com/office/drawing/2010/main" w="9525">
                     <a:solidFill>
                       <a:srgbClr val="000000"/>
                     </a:solidFill>
@@ -11510,7 +11515,7 @@
               </a:ln>
               <a:extLst>
                 <a:ext uri="{91240B29-F687-4f45-9708-019B960494DF}">
-                  <a14:hiddenLine xmlns:a14="http://schemas.microsoft.com/office/drawing/2010/main" xmlns="" w="9525">
+                  <a14:hiddenLine xmlns="" xmlns:a14="http://schemas.microsoft.com/office/drawing/2010/main" w="9525">
                     <a:solidFill>
                       <a:srgbClr val="000000"/>
                     </a:solidFill>
@@ -11608,7 +11613,7 @@
               </a:ln>
               <a:extLst>
                 <a:ext uri="{91240B29-F687-4f45-9708-019B960494DF}">
-                  <a14:hiddenLine xmlns:a14="http://schemas.microsoft.com/office/drawing/2010/main" xmlns="" w="9525">
+                  <a14:hiddenLine xmlns="" xmlns:a14="http://schemas.microsoft.com/office/drawing/2010/main" w="9525">
                     <a:solidFill>
                       <a:srgbClr val="000000"/>
                     </a:solidFill>
@@ -11723,7 +11728,7 @@
               </a:ln>
               <a:extLst>
                 <a:ext uri="{91240B29-F687-4f45-9708-019B960494DF}">
-                  <a14:hiddenLine xmlns:a14="http://schemas.microsoft.com/office/drawing/2010/main" xmlns="" w="9525">
+                  <a14:hiddenLine xmlns="" xmlns:a14="http://schemas.microsoft.com/office/drawing/2010/main" w="9525">
                     <a:solidFill>
                       <a:srgbClr val="000000"/>
                     </a:solidFill>
@@ -11813,7 +11818,7 @@
               </a:ln>
               <a:extLst>
                 <a:ext uri="{91240B29-F687-4f45-9708-019B960494DF}">
-                  <a14:hiddenLine xmlns:a14="http://schemas.microsoft.com/office/drawing/2010/main" xmlns="" w="9525">
+                  <a14:hiddenLine xmlns="" xmlns:a14="http://schemas.microsoft.com/office/drawing/2010/main" w="9525">
                     <a:solidFill>
                       <a:srgbClr val="000000"/>
                     </a:solidFill>
@@ -11878,7 +11883,7 @@
               </a:ln>
               <a:extLst>
                 <a:ext uri="{91240B29-F687-4f45-9708-019B960494DF}">
-                  <a14:hiddenLine xmlns:a14="http://schemas.microsoft.com/office/drawing/2010/main" xmlns="" w="9525">
+                  <a14:hiddenLine xmlns="" xmlns:a14="http://schemas.microsoft.com/office/drawing/2010/main" w="9525">
                     <a:solidFill>
                       <a:srgbClr val="000000"/>
                     </a:solidFill>
@@ -11968,7 +11973,7 @@
               </a:ln>
               <a:extLst>
                 <a:ext uri="{91240B29-F687-4f45-9708-019B960494DF}">
-                  <a14:hiddenLine xmlns:a14="http://schemas.microsoft.com/office/drawing/2010/main" xmlns="" w="9525">
+                  <a14:hiddenLine xmlns="" xmlns:a14="http://schemas.microsoft.com/office/drawing/2010/main" w="9525">
                     <a:solidFill>
                       <a:srgbClr val="000000"/>
                     </a:solidFill>
@@ -12036,7 +12041,7 @@
               </a:ln>
               <a:extLst>
                 <a:ext uri="{91240B29-F687-4f45-9708-019B960494DF}">
-                  <a14:hiddenLine xmlns:a14="http://schemas.microsoft.com/office/drawing/2010/main" xmlns="" w="9525">
+                  <a14:hiddenLine xmlns="" xmlns:a14="http://schemas.microsoft.com/office/drawing/2010/main" w="9525">
                     <a:solidFill>
                       <a:srgbClr val="000000"/>
                     </a:solidFill>
@@ -12126,7 +12131,7 @@
               </a:ln>
               <a:extLst>
                 <a:ext uri="{91240B29-F687-4f45-9708-019B960494DF}">
-                  <a14:hiddenLine xmlns:a14="http://schemas.microsoft.com/office/drawing/2010/main" xmlns="" w="9525">
+                  <a14:hiddenLine xmlns="" xmlns:a14="http://schemas.microsoft.com/office/drawing/2010/main" w="9525">
                     <a:solidFill>
                       <a:srgbClr val="000000"/>
                     </a:solidFill>
@@ -12194,7 +12199,7 @@
               </a:ln>
               <a:extLst>
                 <a:ext uri="{91240B29-F687-4f45-9708-019B960494DF}">
-                  <a14:hiddenLine xmlns:a14="http://schemas.microsoft.com/office/drawing/2010/main" xmlns="" w="9525">
+                  <a14:hiddenLine xmlns="" xmlns:a14="http://schemas.microsoft.com/office/drawing/2010/main" w="9525">
                     <a:solidFill>
                       <a:srgbClr val="000000"/>
                     </a:solidFill>
@@ -12284,7 +12289,7 @@
               </a:ln>
               <a:extLst>
                 <a:ext uri="{91240B29-F687-4f45-9708-019B960494DF}">
-                  <a14:hiddenLine xmlns:a14="http://schemas.microsoft.com/office/drawing/2010/main" xmlns="" w="9525">
+                  <a14:hiddenLine xmlns="" xmlns:a14="http://schemas.microsoft.com/office/drawing/2010/main" w="9525">
                     <a:solidFill>
                       <a:srgbClr val="000000"/>
                     </a:solidFill>
@@ -12318,7 +12323,7 @@
               </a:ln>
               <a:extLst>
                 <a:ext uri="{91240B29-F687-4f45-9708-019B960494DF}">
-                  <a14:hiddenLine xmlns:a14="http://schemas.microsoft.com/office/drawing/2010/main" xmlns="" w="9525">
+                  <a14:hiddenLine xmlns="" xmlns:a14="http://schemas.microsoft.com/office/drawing/2010/main" w="9525">
                     <a:solidFill>
                       <a:srgbClr val="000000"/>
                     </a:solidFill>
@@ -12458,7 +12463,7 @@
           <a:p>
             <a:fld id="{87581F21-0B10-4C4B-B441-172592D74CE7}" type="datetimeFigureOut">
               <a:rPr lang="hu-HU" smtClean="0"/>
-              <a:t>2022. 04. 25.</a:t>
+              <a:t>2022. 04. 26.</a:t>
             </a:fld>
             <a:endParaRPr lang="hu-HU"/>
           </a:p>
@@ -13785,8 +13790,8 @@
           <a:p>
             <a:pPr lvl="2"/>
             <a:r>
-              <a:rPr lang="hu-HU" dirty="0" err="1"/>
-              <a:t>ObjectID</a:t>
+              <a:rPr lang="hu-HU"/>
+              <a:t>_ID</a:t>
             </a:r>
             <a:endParaRPr lang="hu-HU" dirty="0"/>
           </a:p>
